--- a/vignettes/PKNCA-ISoP New England-2016-03-31.pptx
+++ b/vignettes/PKNCA-ISoP New England-2016-03-31.pptx
@@ -3177,6 +3177,13 @@
   <p:clrMapOvr>
     <a:masterClrMapping/>
   </p:clrMapOvr>
+  <p:timing>
+    <p:tnLst>
+      <p:par>
+        <p:cTn id="1" dur="indefinite" restart="never" nodeType="tmRoot"/>
+      </p:par>
+    </p:tnLst>
+  </p:timing>
 </p:sld>
 </file>
 
@@ -3855,14 +3862,21 @@
                 <a:latin typeface="Courier New" panose="02070309020205020404" pitchFamily="49" charset="0"/>
                 <a:cs typeface="Courier New" panose="02070309020205020404" pitchFamily="49" charset="0"/>
               </a:rPr>
-              <a:t>my.results.automatic</a:t>
+              <a:t>my.results</a:t>
             </a:r>
             <a:r>
               <a:rPr lang="en-US" sz="1400" dirty="0" smtClean="0">
                 <a:latin typeface="Courier New" panose="02070309020205020404" pitchFamily="49" charset="0"/>
                 <a:cs typeface="Courier New" panose="02070309020205020404" pitchFamily="49" charset="0"/>
               </a:rPr>
-              <a:t> &lt;- </a:t>
+              <a:t> </a:t>
+            </a:r>
+            <a:r>
+              <a:rPr lang="en-US" sz="1400" dirty="0" smtClean="0">
+                <a:latin typeface="Courier New" panose="02070309020205020404" pitchFamily="49" charset="0"/>
+                <a:cs typeface="Courier New" panose="02070309020205020404" pitchFamily="49" charset="0"/>
+              </a:rPr>
+              <a:t>&lt;- </a:t>
             </a:r>
             <a:r>
               <a:rPr lang="en-US" sz="1400" dirty="0" err="1" smtClean="0">
@@ -3883,43 +3897,7 @@
                 <a:latin typeface="Courier New" panose="02070309020205020404" pitchFamily="49" charset="0"/>
                 <a:cs typeface="Courier New" panose="02070309020205020404" pitchFamily="49" charset="0"/>
               </a:rPr>
-              <a:t>my.data.automatic</a:t>
-            </a:r>
-            <a:r>
-              <a:rPr lang="en-US" sz="1400" dirty="0" smtClean="0">
-                <a:latin typeface="Courier New" panose="02070309020205020404" pitchFamily="49" charset="0"/>
-                <a:cs typeface="Courier New" panose="02070309020205020404" pitchFamily="49" charset="0"/>
-              </a:rPr>
-              <a:t>)</a:t>
-            </a:r>
-          </a:p>
-          <a:p>
-            <a:r>
-              <a:rPr lang="en-US" dirty="0"/>
-              <a:t>Y</a:t>
-            </a:r>
-            <a:r>
-              <a:rPr lang="en-US" dirty="0" smtClean="0"/>
-              <a:t>ou can extract the individual measurements</a:t>
-            </a:r>
-          </a:p>
-          <a:p>
-            <a:pPr marL="0" indent="0">
-              <a:buNone/>
-            </a:pPr>
-            <a:r>
-              <a:rPr lang="en-US" sz="1400" dirty="0" smtClean="0">
-                <a:latin typeface="Courier New" panose="02070309020205020404" pitchFamily="49" charset="0"/>
-                <a:cs typeface="Courier New" panose="02070309020205020404" pitchFamily="49" charset="0"/>
-              </a:rPr>
-              <a:t>head(</a:t>
-            </a:r>
-            <a:r>
-              <a:rPr lang="en-US" sz="1400" dirty="0" err="1" smtClean="0">
-                <a:latin typeface="Courier New" panose="02070309020205020404" pitchFamily="49" charset="0"/>
-                <a:cs typeface="Courier New" panose="02070309020205020404" pitchFamily="49" charset="0"/>
-              </a:rPr>
-              <a:t>my.results.automatic$result</a:t>
+              <a:t>my.data</a:t>
             </a:r>
             <a:r>
               <a:rPr lang="en-US" sz="1400" dirty="0" smtClean="0">
@@ -3936,15 +3914,47 @@
           <a:p>
             <a:r>
               <a:rPr lang="en-US" dirty="0"/>
+              <a:t>Y</a:t>
+            </a:r>
+            <a:r>
+              <a:rPr lang="en-US" dirty="0" smtClean="0"/>
+              <a:t>ou can extract the individual measurements</a:t>
+            </a:r>
+          </a:p>
+          <a:p>
+            <a:pPr marL="0" indent="0">
+              <a:buNone/>
+            </a:pPr>
+            <a:r>
+              <a:rPr lang="en-US" sz="1400" dirty="0" smtClean="0">
+                <a:latin typeface="Courier New" panose="02070309020205020404" pitchFamily="49" charset="0"/>
+                <a:cs typeface="Courier New" panose="02070309020205020404" pitchFamily="49" charset="0"/>
+              </a:rPr>
+              <a:t>head(</a:t>
+            </a:r>
+            <a:r>
+              <a:rPr lang="en-US" sz="1400" dirty="0" err="1" smtClean="0">
+                <a:latin typeface="Courier New" panose="02070309020205020404" pitchFamily="49" charset="0"/>
+                <a:cs typeface="Courier New" panose="02070309020205020404" pitchFamily="49" charset="0"/>
+              </a:rPr>
+              <a:t>my.results$result</a:t>
+            </a:r>
+            <a:r>
+              <a:rPr lang="en-US" sz="1400" dirty="0" smtClean="0">
+                <a:latin typeface="Courier New" panose="02070309020205020404" pitchFamily="49" charset="0"/>
+                <a:cs typeface="Courier New" panose="02070309020205020404" pitchFamily="49" charset="0"/>
+              </a:rPr>
+              <a:t>)</a:t>
+            </a:r>
+          </a:p>
+          <a:p>
+            <a:r>
+              <a:rPr lang="en-US" dirty="0"/>
               <a:t>A</a:t>
             </a:r>
             <a:r>
-              <a:rPr lang="en-US" smtClean="0"/>
-              <a:t>nd </a:t>
-            </a:r>
-            <a:r>
               <a:rPr lang="en-US" dirty="0" smtClean="0"/>
-              <a:t>summarize them.</a:t>
+              <a:t>nd summarize them.</a:t>
             </a:r>
           </a:p>
           <a:p>
@@ -6310,7 +6320,18 @@
                 <a:latin typeface="Courier New" panose="02070309020205020404" pitchFamily="49" charset="0"/>
                 <a:cs typeface="Courier New" panose="02070309020205020404" pitchFamily="49" charset="0"/>
               </a:rPr>
-              <a:t>##</a:t>
+              <a:t>## define the intervals for </a:t>
+            </a:r>
+            <a:r>
+              <a:rPr lang="en-US" sz="1400" i="1" dirty="0" err="1" smtClean="0">
+                <a:solidFill>
+                  <a:srgbClr val="999988"/>
+                </a:solidFill>
+                <a:effectLst/>
+                <a:latin typeface="Courier New" panose="02070309020205020404" pitchFamily="49" charset="0"/>
+                <a:cs typeface="Courier New" panose="02070309020205020404" pitchFamily="49" charset="0"/>
+              </a:rPr>
+              <a:t>NCA</a:t>
             </a:r>
             <a:r>
               <a:rPr lang="en-US" sz="1400" i="1" dirty="0" smtClean="0">
@@ -6321,10 +6342,17 @@
                 <a:latin typeface="Courier New" panose="02070309020205020404" pitchFamily="49" charset="0"/>
                 <a:cs typeface="Courier New" panose="02070309020205020404" pitchFamily="49" charset="0"/>
               </a:rPr>
-              <a:t> define the intervals for </a:t>
-            </a:r>
-            <a:r>
-              <a:rPr lang="en-US" sz="1400" i="1" dirty="0" err="1" smtClean="0">
+              <a:t> calculation and provide</a:t>
+            </a:r>
+            <a:r>
+              <a:rPr lang="en-US" sz="1400" dirty="0" smtClean="0">
+                <a:latin typeface="Courier New" panose="02070309020205020404" pitchFamily="49" charset="0"/>
+                <a:cs typeface="Courier New" panose="02070309020205020404" pitchFamily="49" charset="0"/>
+              </a:rPr>
+              <a:t> </a:t>
+            </a:r>
+            <a:r>
+              <a:rPr lang="en-US" sz="1400" i="1" dirty="0" smtClean="0">
                 <a:solidFill>
                   <a:srgbClr val="999988"/>
                 </a:solidFill>
@@ -6332,8 +6360,13 @@
                 <a:latin typeface="Courier New" panose="02070309020205020404" pitchFamily="49" charset="0"/>
                 <a:cs typeface="Courier New" panose="02070309020205020404" pitchFamily="49" charset="0"/>
               </a:rPr>
-              <a:t>NCA</a:t>
-            </a:r>
+              <a:t>doses for</a:t>
+            </a:r>
+          </a:p>
+          <a:p>
+            <a:pPr marL="0" indent="0">
+              <a:buNone/>
+            </a:pPr>
             <a:r>
               <a:rPr lang="en-US" sz="1400" i="1" dirty="0" smtClean="0">
                 <a:solidFill>
@@ -6343,52 +6376,7 @@
                 <a:latin typeface="Courier New" panose="02070309020205020404" pitchFamily="49" charset="0"/>
                 <a:cs typeface="Courier New" panose="02070309020205020404" pitchFamily="49" charset="0"/>
               </a:rPr>
-              <a:t> calculation and provide</a:t>
-            </a:r>
-            <a:r>
-              <a:rPr lang="en-US" sz="1400" dirty="0" smtClean="0">
-                <a:latin typeface="Courier New" panose="02070309020205020404" pitchFamily="49" charset="0"/>
-                <a:cs typeface="Courier New" panose="02070309020205020404" pitchFamily="49" charset="0"/>
-              </a:rPr>
-              <a:t> </a:t>
-            </a:r>
-            <a:r>
-              <a:rPr lang="en-US" sz="1400" i="1" dirty="0" smtClean="0">
-                <a:solidFill>
-                  <a:srgbClr val="999988"/>
-                </a:solidFill>
-                <a:effectLst/>
-                <a:latin typeface="Courier New" panose="02070309020205020404" pitchFamily="49" charset="0"/>
-                <a:cs typeface="Courier New" panose="02070309020205020404" pitchFamily="49" charset="0"/>
-              </a:rPr>
-              <a:t>doses for</a:t>
-            </a:r>
-          </a:p>
-          <a:p>
-            <a:pPr marL="0" indent="0">
-              <a:buNone/>
-            </a:pPr>
-            <a:r>
-              <a:rPr lang="en-US" sz="1400" i="1" dirty="0" smtClean="0">
-                <a:solidFill>
-                  <a:srgbClr val="999988"/>
-                </a:solidFill>
-                <a:effectLst/>
-                <a:latin typeface="Courier New" panose="02070309020205020404" pitchFamily="49" charset="0"/>
-                <a:cs typeface="Courier New" panose="02070309020205020404" pitchFamily="49" charset="0"/>
-              </a:rPr>
-              <a:t>##</a:t>
-            </a:r>
-            <a:r>
-              <a:rPr lang="en-US" sz="1400" i="1" dirty="0" smtClean="0">
-                <a:solidFill>
-                  <a:srgbClr val="999988"/>
-                </a:solidFill>
-                <a:effectLst/>
-                <a:latin typeface="Courier New" panose="02070309020205020404" pitchFamily="49" charset="0"/>
-                <a:cs typeface="Courier New" panose="02070309020205020404" pitchFamily="49" charset="0"/>
-              </a:rPr>
-              <a:t> calculations requiring dose.</a:t>
+              <a:t>## calculations requiring dose.</a:t>
             </a:r>
             <a:endParaRPr lang="en-US" sz="1400" dirty="0">
               <a:latin typeface="Courier New" panose="02070309020205020404" pitchFamily="49" charset="0"/>
@@ -6710,6 +6698,13 @@
   <p:clrMapOvr>
     <a:masterClrMapping/>
   </p:clrMapOvr>
+  <p:timing>
+    <p:tnLst>
+      <p:par>
+        <p:cTn id="1" dur="indefinite" restart="never" nodeType="tmRoot"/>
+      </p:par>
+    </p:tnLst>
+  </p:timing>
 </p:sld>
 </file>
 
@@ -6797,6 +6792,13 @@
   <p:clrMapOvr>
     <a:masterClrMapping/>
   </p:clrMapOvr>
+  <p:timing>
+    <p:tnLst>
+      <p:par>
+        <p:cTn id="1" dur="indefinite" restart="never" nodeType="tmRoot"/>
+      </p:par>
+    </p:tnLst>
+  </p:timing>
 </p:sld>
 </file>
 
@@ -7007,6 +7009,13 @@
   <p:clrMapOvr>
     <a:masterClrMapping/>
   </p:clrMapOvr>
+  <p:timing>
+    <p:tnLst>
+      <p:par>
+        <p:cTn id="1" dur="indefinite" restart="never" nodeType="tmRoot"/>
+      </p:par>
+    </p:tnLst>
+  </p:timing>
 </p:sld>
 </file>
 
@@ -7304,7 +7313,15 @@
           <a:p>
             <a:r>
               <a:rPr lang="en-US" dirty="0" smtClean="0"/>
-              <a:t>Once the options are set, PKNCA ensures reproducibility by tracking the </a:t>
+              <a:t>PKNCA </a:t>
+            </a:r>
+            <a:r>
+              <a:rPr lang="en-US" dirty="0" smtClean="0"/>
+              <a:t>ensures reproducibility by </a:t>
+            </a:r>
+            <a:r>
+              <a:rPr lang="en-US" dirty="0" smtClean="0"/>
+              <a:t>storing the inputs, outputs, and decisions made by the user along with the computational environment details.</a:t>
             </a:r>
             <a:endParaRPr lang="en-US" dirty="0"/>
           </a:p>
@@ -7320,6 +7337,13 @@
   <p:clrMapOvr>
     <a:masterClrMapping/>
   </p:clrMapOvr>
+  <p:timing>
+    <p:tnLst>
+      <p:par>
+        <p:cTn id="1" dur="indefinite" restart="never" nodeType="tmRoot"/>
+      </p:par>
+    </p:tnLst>
+  </p:timing>
 </p:sld>
 </file>
 
@@ -7583,6 +7607,13 @@
   <p:clrMapOvr>
     <a:masterClrMapping/>
   </p:clrMapOvr>
+  <p:timing>
+    <p:tnLst>
+      <p:par>
+        <p:cTn id="1" dur="indefinite" restart="never" nodeType="tmRoot"/>
+      </p:par>
+    </p:tnLst>
+  </p:timing>
 </p:sld>
 </file>
 
